--- a/frontend/mockup_final.pptx
+++ b/frontend/mockup_final.pptx
@@ -17450,7 +17450,7 @@
         </p:nvSpPr>
         <p:spPr>
           <a:xfrm>
-            <a:off x="2117236" y="10391"/>
+            <a:off x="2080260" y="-10391"/>
             <a:ext cx="10035766" cy="6858000"/>
           </a:xfrm>
           <a:prstGeom prst="rect">
@@ -19181,6 +19181,120 @@
             <a:r>
               <a:rPr lang="pt-PT" dirty="0"/>
               <a:t>Ferramenta      X</a:t>
+            </a:r>
+          </a:p>
+        </p:txBody>
+      </p:sp>
+      <p:sp>
+        <p:nvSpPr>
+          <p:cNvPr id="7" name="Retângulo: Cantos Arredondados 6">
+            <a:extLst>
+              <a:ext uri="{FF2B5EF4-FFF2-40B4-BE49-F238E27FC236}">
+                <a16:creationId xmlns:a16="http://schemas.microsoft.com/office/drawing/2014/main" id="{E13FA68D-0EEA-4DC7-A7C0-B684CAE252E1}"/>
+              </a:ext>
+            </a:extLst>
+          </p:cNvPr>
+          <p:cNvSpPr/>
+          <p:nvPr/>
+        </p:nvSpPr>
+        <p:spPr>
+          <a:xfrm>
+            <a:off x="3870286" y="4527639"/>
+            <a:ext cx="1952016" cy="267767"/>
+          </a:xfrm>
+          <a:prstGeom prst="roundRect">
+            <a:avLst/>
+          </a:prstGeom>
+          <a:solidFill>
+            <a:schemeClr val="tx1"/>
+          </a:solidFill>
+          <a:ln>
+            <a:solidFill>
+              <a:schemeClr val="bg1"/>
+            </a:solidFill>
+          </a:ln>
+        </p:spPr>
+        <p:style>
+          <a:lnRef idx="2">
+            <a:schemeClr val="accent1">
+              <a:shade val="15000"/>
+            </a:schemeClr>
+          </a:lnRef>
+          <a:fillRef idx="1">
+            <a:schemeClr val="accent1"/>
+          </a:fillRef>
+          <a:effectRef idx="0">
+            <a:schemeClr val="accent1"/>
+          </a:effectRef>
+          <a:fontRef idx="minor">
+            <a:schemeClr val="lt1"/>
+          </a:fontRef>
+        </p:style>
+        <p:txBody>
+          <a:bodyPr rtlCol="0" anchor="ctr"/>
+          <a:lstStyle/>
+          <a:p>
+            <a:pPr algn="ctr"/>
+            <a:r>
+              <a:rPr lang="pt-PT" dirty="0"/>
+              <a:t>Palavra chave 1      X</a:t>
+            </a:r>
+          </a:p>
+        </p:txBody>
+      </p:sp>
+      <p:sp>
+        <p:nvSpPr>
+          <p:cNvPr id="23" name="Retângulo: Cantos Arredondados 22">
+            <a:extLst>
+              <a:ext uri="{FF2B5EF4-FFF2-40B4-BE49-F238E27FC236}">
+                <a16:creationId xmlns:a16="http://schemas.microsoft.com/office/drawing/2014/main" id="{BF7CC842-4790-1A47-DEF9-A766D2171CF4}"/>
+              </a:ext>
+            </a:extLst>
+          </p:cNvPr>
+          <p:cNvSpPr/>
+          <p:nvPr/>
+        </p:nvSpPr>
+        <p:spPr>
+          <a:xfrm>
+            <a:off x="3870286" y="4916900"/>
+            <a:ext cx="1952016" cy="267767"/>
+          </a:xfrm>
+          <a:prstGeom prst="roundRect">
+            <a:avLst/>
+          </a:prstGeom>
+          <a:solidFill>
+            <a:schemeClr val="tx1"/>
+          </a:solidFill>
+          <a:ln>
+            <a:solidFill>
+              <a:schemeClr val="bg1"/>
+            </a:solidFill>
+          </a:ln>
+        </p:spPr>
+        <p:style>
+          <a:lnRef idx="2">
+            <a:schemeClr val="accent1">
+              <a:shade val="15000"/>
+            </a:schemeClr>
+          </a:lnRef>
+          <a:fillRef idx="1">
+            <a:schemeClr val="accent1"/>
+          </a:fillRef>
+          <a:effectRef idx="0">
+            <a:schemeClr val="accent1"/>
+          </a:effectRef>
+          <a:fontRef idx="minor">
+            <a:schemeClr val="lt1"/>
+          </a:fontRef>
+        </p:style>
+        <p:txBody>
+          <a:bodyPr rtlCol="0" anchor="ctr"/>
+          <a:lstStyle/>
+          <a:p>
+            <a:pPr algn="ctr"/>
+            <a:r>
+              <a:rPr lang="pt-PT" dirty="0"/>
+              <a:t>Palavra chave 2     X</a:t>
             </a:r>
           </a:p>
         </p:txBody>
@@ -46782,7 +46896,7 @@
             <a:avLst/>
           </a:prstGeom>
           <a:solidFill>
-            <a:srgbClr val="6C757D"/>
+            <a:srgbClr val="343A40"/>
           </a:solidFill>
           <a:ln w="12700" cap="flat" cmpd="sng">
             <a:solidFill>
@@ -46927,31 +47041,7 @@
                 <a:cs typeface="Calibri"/>
                 <a:sym typeface="Calibri"/>
               </a:rPr>
-              <a:t>Bem vindo ao </a:t>
-            </a:r>
-            <a:r>
-              <a:rPr lang="pt-PT" sz="2800" b="1" dirty="0" err="1">
-                <a:solidFill>
-                  <a:schemeClr val="dk1"/>
-                </a:solidFill>
-                <a:latin typeface="Calibri"/>
-                <a:ea typeface="Calibri"/>
-                <a:cs typeface="Calibri"/>
-                <a:sym typeface="Calibri"/>
-              </a:rPr>
-              <a:t>Laboratorio</a:t>
-            </a:r>
-            <a:r>
-              <a:rPr lang="pt-PT" sz="2800" b="1" dirty="0">
-                <a:solidFill>
-                  <a:schemeClr val="dk1"/>
-                </a:solidFill>
-                <a:latin typeface="Calibri"/>
-                <a:ea typeface="Calibri"/>
-                <a:cs typeface="Calibri"/>
-                <a:sym typeface="Calibri"/>
-              </a:rPr>
-              <a:t> da Inovação.</a:t>
+              <a:t>Bem vindo ao Laboratório da Inovação.</a:t>
             </a:r>
             <a:endParaRPr sz="1200" dirty="0"/>
           </a:p>
@@ -47049,58 +47139,6 @@
           </a:p>
         </p:txBody>
       </p:sp>
-      <p:sp>
-        <p:nvSpPr>
-          <p:cNvPr id="123" name="Google Shape;123;p15"/>
-          <p:cNvSpPr/>
-          <p:nvPr/>
-        </p:nvSpPr>
-        <p:spPr>
-          <a:xfrm>
-            <a:off x="5516948" y="4914901"/>
-            <a:ext cx="1226519" cy="531844"/>
-          </a:xfrm>
-          <a:prstGeom prst="rect">
-            <a:avLst/>
-          </a:prstGeom>
-          <a:solidFill>
-            <a:srgbClr val="C00000"/>
-          </a:solidFill>
-          <a:ln>
-            <a:noFill/>
-          </a:ln>
-        </p:spPr>
-        <p:txBody>
-          <a:bodyPr spcFirstLastPara="1" wrap="square" lIns="91425" tIns="45700" rIns="91425" bIns="45700" anchor="ctr" anchorCtr="0">
-            <a:noAutofit/>
-          </a:bodyPr>
-          <a:lstStyle/>
-          <a:p>
-            <a:pPr marL="0" marR="0" lvl="0" indent="0" algn="ctr" rtl="0">
-              <a:spcBef>
-                <a:spcPts val="0"/>
-              </a:spcBef>
-              <a:spcAft>
-                <a:spcPts val="0"/>
-              </a:spcAft>
-              <a:buNone/>
-            </a:pPr>
-            <a:r>
-              <a:rPr lang="pt-PT" sz="1100">
-                <a:solidFill>
-                  <a:schemeClr val="lt1"/>
-                </a:solidFill>
-                <a:latin typeface="Calibri"/>
-                <a:ea typeface="Calibri"/>
-                <a:cs typeface="Calibri"/>
-                <a:sym typeface="Calibri"/>
-              </a:rPr>
-              <a:t>Ativar conta</a:t>
-            </a:r>
-            <a:endParaRPr/>
-          </a:p>
-        </p:txBody>
-      </p:sp>
       <p:pic>
         <p:nvPicPr>
           <p:cNvPr id="124" name="Google Shape;124;p15"/>
@@ -47128,6 +47166,63 @@
           </a:ln>
         </p:spPr>
       </p:pic>
+      <p:sp>
+        <p:nvSpPr>
+          <p:cNvPr id="3" name="Retângulo: Cantos Arredondados 2">
+            <a:extLst>
+              <a:ext uri="{FF2B5EF4-FFF2-40B4-BE49-F238E27FC236}">
+                <a16:creationId xmlns:a16="http://schemas.microsoft.com/office/drawing/2014/main" id="{CA52FC1B-F145-68D5-4430-16E40D402074}"/>
+              </a:ext>
+            </a:extLst>
+          </p:cNvPr>
+          <p:cNvSpPr/>
+          <p:nvPr/>
+        </p:nvSpPr>
+        <p:spPr>
+          <a:xfrm>
+            <a:off x="5131837" y="4973216"/>
+            <a:ext cx="2024743" cy="317241"/>
+          </a:xfrm>
+          <a:prstGeom prst="roundRect">
+            <a:avLst>
+              <a:gd name="adj" fmla="val 50000"/>
+            </a:avLst>
+          </a:prstGeom>
+          <a:solidFill>
+            <a:srgbClr val="C00000"/>
+          </a:solidFill>
+          <a:ln>
+            <a:noFill/>
+          </a:ln>
+        </p:spPr>
+        <p:style>
+          <a:lnRef idx="2">
+            <a:schemeClr val="accent1">
+              <a:shade val="15000"/>
+            </a:schemeClr>
+          </a:lnRef>
+          <a:fillRef idx="1">
+            <a:schemeClr val="accent1"/>
+          </a:fillRef>
+          <a:effectRef idx="0">
+            <a:schemeClr val="accent1"/>
+          </a:effectRef>
+          <a:fontRef idx="minor">
+            <a:schemeClr val="lt1"/>
+          </a:fontRef>
+        </p:style>
+        <p:txBody>
+          <a:bodyPr rtlCol="0" anchor="ctr"/>
+          <a:lstStyle/>
+          <a:p>
+            <a:pPr algn="ctr"/>
+            <a:r>
+              <a:rPr lang="pt-PT" dirty="0"/>
+              <a:t>Ativar conta</a:t>
+            </a:r>
+          </a:p>
+        </p:txBody>
+      </p:sp>
     </p:spTree>
   </p:cSld>
   <p:clrMapOvr>
@@ -47168,7 +47263,7 @@
             <a:avLst/>
           </a:prstGeom>
           <a:solidFill>
-            <a:srgbClr val="6C757D"/>
+            <a:srgbClr val="343A40"/>
           </a:solidFill>
           <a:ln w="12700" cap="flat" cmpd="sng">
             <a:solidFill>
@@ -47275,8 +47370,8 @@
         </p:nvSpPr>
         <p:spPr>
           <a:xfrm>
-            <a:off x="3560617" y="2076670"/>
-            <a:ext cx="5070763" cy="2859011"/>
+            <a:off x="3560616" y="1992837"/>
+            <a:ext cx="5070763" cy="3032236"/>
           </a:xfrm>
           <a:prstGeom prst="roundRect">
             <a:avLst/>
@@ -47397,7 +47492,7 @@
         </p:blipFill>
         <p:spPr>
           <a:xfrm>
-            <a:off x="7350518" y="2076671"/>
+            <a:off x="7313196" y="2076671"/>
             <a:ext cx="975388" cy="984936"/>
           </a:xfrm>
           <a:prstGeom prst="rect">
@@ -47636,7 +47731,7 @@
             <a:avLst/>
           </a:prstGeom>
           <a:solidFill>
-            <a:srgbClr val="D8D8D8"/>
+            <a:srgbClr val="343A40"/>
           </a:solidFill>
           <a:ln w="12700" cap="flat" cmpd="sng">
             <a:solidFill>
@@ -47737,8 +47832,8 @@
         </p:nvSpPr>
         <p:spPr>
           <a:xfrm>
-            <a:off x="3903305" y="1061884"/>
-            <a:ext cx="4385388" cy="4443177"/>
+            <a:off x="3901751" y="1026368"/>
+            <a:ext cx="4388498" cy="4450702"/>
           </a:xfrm>
           <a:prstGeom prst="rect">
             <a:avLst/>
@@ -47825,58 +47920,6 @@
       </p:sp>
       <p:sp>
         <p:nvSpPr>
-          <p:cNvPr id="123" name="Google Shape;123;p15"/>
-          <p:cNvSpPr/>
-          <p:nvPr/>
-        </p:nvSpPr>
-        <p:spPr>
-          <a:xfrm>
-            <a:off x="5404078" y="4361172"/>
-            <a:ext cx="1226519" cy="531844"/>
-          </a:xfrm>
-          <a:prstGeom prst="rect">
-            <a:avLst/>
-          </a:prstGeom>
-          <a:solidFill>
-            <a:srgbClr val="C00000"/>
-          </a:solidFill>
-          <a:ln>
-            <a:noFill/>
-          </a:ln>
-        </p:spPr>
-        <p:txBody>
-          <a:bodyPr spcFirstLastPara="1" wrap="square" lIns="91425" tIns="45700" rIns="91425" bIns="45700" anchor="ctr" anchorCtr="0">
-            <a:noAutofit/>
-          </a:bodyPr>
-          <a:lstStyle/>
-          <a:p>
-            <a:pPr marL="0" marR="0" lvl="0" indent="0" algn="ctr" rtl="0">
-              <a:spcBef>
-                <a:spcPts val="0"/>
-              </a:spcBef>
-              <a:spcAft>
-                <a:spcPts val="0"/>
-              </a:spcAft>
-              <a:buNone/>
-            </a:pPr>
-            <a:r>
-              <a:rPr lang="pt-PT" sz="1100" dirty="0">
-                <a:solidFill>
-                  <a:schemeClr val="lt1"/>
-                </a:solidFill>
-                <a:latin typeface="Calibri"/>
-                <a:ea typeface="Calibri"/>
-                <a:cs typeface="Calibri"/>
-                <a:sym typeface="Calibri"/>
-              </a:rPr>
-              <a:t>Enviar Email</a:t>
-            </a:r>
-            <a:endParaRPr dirty="0"/>
-          </a:p>
-        </p:txBody>
-      </p:sp>
-      <p:sp>
-        <p:nvSpPr>
           <p:cNvPr id="7" name="Google Shape;111;p14"/>
           <p:cNvSpPr/>
           <p:nvPr/>
@@ -47884,7 +47927,7 @@
         <p:spPr>
           <a:xfrm>
             <a:off x="4322929" y="2629790"/>
-            <a:ext cx="3388818" cy="440871"/>
+            <a:ext cx="3589430" cy="440871"/>
           </a:xfrm>
           <a:prstGeom prst="roundRect">
             <a:avLst>
@@ -47928,62 +47971,6 @@
       </p:sp>
       <p:sp>
         <p:nvSpPr>
-          <p:cNvPr id="2" name="Retângulo 1"/>
-          <p:cNvSpPr/>
-          <p:nvPr/>
-        </p:nvSpPr>
-        <p:spPr>
-          <a:xfrm>
-            <a:off x="3903305" y="1061884"/>
-            <a:ext cx="4385388" cy="1081548"/>
-          </a:xfrm>
-          <a:prstGeom prst="rect">
-            <a:avLst/>
-          </a:prstGeom>
-          <a:solidFill>
-            <a:schemeClr val="tx1">
-              <a:lumMod val="75000"/>
-              <a:lumOff val="25000"/>
-            </a:schemeClr>
-          </a:solidFill>
-          <a:ln>
-            <a:noFill/>
-          </a:ln>
-        </p:spPr>
-        <p:style>
-          <a:lnRef idx="2">
-            <a:schemeClr val="accent1">
-              <a:shade val="50000"/>
-            </a:schemeClr>
-          </a:lnRef>
-          <a:fillRef idx="1">
-            <a:schemeClr val="accent1"/>
-          </a:fillRef>
-          <a:effectRef idx="0">
-            <a:schemeClr val="accent1"/>
-          </a:effectRef>
-          <a:fontRef idx="minor">
-            <a:schemeClr val="lt1"/>
-          </a:fontRef>
-        </p:style>
-        <p:txBody>
-          <a:bodyPr rtlCol="0" anchor="ctr"/>
-          <a:lstStyle/>
-          <a:p>
-            <a:pPr algn="ctr"/>
-            <a:r>
-              <a:rPr lang="pt-PT" dirty="0">
-                <a:solidFill>
-                  <a:schemeClr val="bg1"/>
-                </a:solidFill>
-              </a:rPr>
-              <a:t>Alterar Password</a:t>
-            </a:r>
-          </a:p>
-        </p:txBody>
-      </p:sp>
-      <p:sp>
-        <p:nvSpPr>
           <p:cNvPr id="8" name="Google Shape;111;p14"/>
           <p:cNvSpPr/>
           <p:nvPr/>
@@ -47991,7 +47978,7 @@
         <p:spPr>
           <a:xfrm>
             <a:off x="4322929" y="3495481"/>
-            <a:ext cx="3388818" cy="440871"/>
+            <a:ext cx="3589430" cy="440871"/>
           </a:xfrm>
           <a:prstGeom prst="roundRect">
             <a:avLst>
@@ -48069,6 +48056,63 @@
           </a:ln>
         </p:spPr>
       </p:pic>
+      <p:sp>
+        <p:nvSpPr>
+          <p:cNvPr id="3" name="Retângulo: Cantos Arredondados 2">
+            <a:extLst>
+              <a:ext uri="{FF2B5EF4-FFF2-40B4-BE49-F238E27FC236}">
+                <a16:creationId xmlns:a16="http://schemas.microsoft.com/office/drawing/2014/main" id="{A76CBDEB-52B5-D911-F899-4C2E2402B36E}"/>
+              </a:ext>
+            </a:extLst>
+          </p:cNvPr>
+          <p:cNvSpPr/>
+          <p:nvPr/>
+        </p:nvSpPr>
+        <p:spPr>
+          <a:xfrm>
+            <a:off x="4387087" y="4556116"/>
+            <a:ext cx="3417824" cy="301188"/>
+          </a:xfrm>
+          <a:prstGeom prst="roundRect">
+            <a:avLst>
+              <a:gd name="adj" fmla="val 50000"/>
+            </a:avLst>
+          </a:prstGeom>
+          <a:solidFill>
+            <a:srgbClr val="C00000"/>
+          </a:solidFill>
+          <a:ln>
+            <a:noFill/>
+          </a:ln>
+        </p:spPr>
+        <p:style>
+          <a:lnRef idx="2">
+            <a:schemeClr val="accent1">
+              <a:shade val="15000"/>
+            </a:schemeClr>
+          </a:lnRef>
+          <a:fillRef idx="1">
+            <a:schemeClr val="accent1"/>
+          </a:fillRef>
+          <a:effectRef idx="0">
+            <a:schemeClr val="accent1"/>
+          </a:effectRef>
+          <a:fontRef idx="minor">
+            <a:schemeClr val="lt1"/>
+          </a:fontRef>
+        </p:style>
+        <p:txBody>
+          <a:bodyPr rtlCol="0" anchor="ctr"/>
+          <a:lstStyle/>
+          <a:p>
+            <a:pPr algn="ctr"/>
+            <a:r>
+              <a:rPr lang="pt-PT" dirty="0"/>
+              <a:t>Alterar</a:t>
+            </a:r>
+          </a:p>
+        </p:txBody>
+      </p:sp>
     </p:spTree>
     <p:extLst>
       <p:ext uri="{BB962C8B-B14F-4D97-AF65-F5344CB8AC3E}">

--- a/frontend/mockup_final.pptx
+++ b/frontend/mockup_final.pptx
@@ -44445,7 +44445,7 @@
         </p:nvSpPr>
         <p:spPr>
           <a:xfrm>
-            <a:off x="2998961" y="6088739"/>
+            <a:off x="3464206" y="6046457"/>
             <a:ext cx="1116642" cy="483908"/>
           </a:xfrm>
           <a:prstGeom prst="rect">
@@ -44574,7 +44574,7 @@
         <p:spPr>
           <a:xfrm>
             <a:off x="2179293" y="2313776"/>
-            <a:ext cx="3916707" cy="2842007"/>
+            <a:ext cx="3916707" cy="2855383"/>
           </a:xfrm>
           <a:prstGeom prst="roundRect">
             <a:avLst/>
